--- a/Notes/13_intro_to_single_parameter_bayesian_inference/13_basic_bayesian_inference_workflow.pptx
+++ b/Notes/13_intro_to_single_parameter_bayesian_inference/13_basic_bayesian_inference_workflow.pptx
@@ -3802,7 +3802,7 @@
                       <a:noFill/>
                       <a:extLst>
                         <a:ext uri="{909E8E84-426E-40dd-AFC4-6F175D3DCCD1}">
-                          <a14:hiddenFill xmlns="" xmlns:a14="http://schemas.microsoft.com/office/drawing/2010/main">
+                          <a14:hiddenFill xmlns:a14="http://schemas.microsoft.com/office/drawing/2010/main" xmlns="">
                             <a:blipFill dpi="0" rotWithShape="0">
                               <a:blip/>
                               <a:srcRect/>
@@ -3882,7 +3882,7 @@
                       <a:noFill/>
                       <a:extLst>
                         <a:ext uri="{909E8E84-426E-40dd-AFC4-6F175D3DCCD1}">
-                          <a14:hiddenFill xmlns="" xmlns:a14="http://schemas.microsoft.com/office/drawing/2010/main">
+                          <a14:hiddenFill xmlns:a14="http://schemas.microsoft.com/office/drawing/2010/main" xmlns="">
                             <a:blipFill dpi="0" rotWithShape="0">
                               <a:blip/>
                               <a:srcRect/>
@@ -7262,8 +7262,8 @@
         </p:nvSpPr>
         <p:spPr>
           <a:xfrm>
-            <a:off x="5723573" y="6298004"/>
-            <a:ext cx="2757487" cy="369332"/>
+            <a:off x="5577841" y="6298004"/>
+            <a:ext cx="2903220" cy="369332"/>
           </a:xfrm>
           <a:prstGeom prst="rect">
             <a:avLst/>
@@ -7277,13 +7277,14 @@
           <a:lstStyle/>
           <a:p>
             <a:r>
-              <a:rPr lang="en-US" dirty="0" err="1">
+              <a:rPr lang="en-US" b="1" dirty="0" err="1">
                 <a:latin typeface="Times New Roman" panose="02020603050405020304" pitchFamily="18" charset="0"/>
                 <a:cs typeface="Times New Roman" panose="02020603050405020304" pitchFamily="18" charset="0"/>
+                <a:hlinkClick r:id="rId3"/>
               </a:rPr>
               <a:t>binomial_beta_conjugate.R</a:t>
             </a:r>
-            <a:endParaRPr lang="en-US" dirty="0">
+            <a:endParaRPr lang="en-US" b="1" dirty="0">
               <a:latin typeface="Times New Roman" panose="02020603050405020304" pitchFamily="18" charset="0"/>
               <a:cs typeface="Times New Roman" panose="02020603050405020304" pitchFamily="18" charset="0"/>
             </a:endParaRPr>
@@ -9758,8 +9759,8 @@
         </p:nvSpPr>
         <p:spPr>
           <a:xfrm>
-            <a:off x="283723" y="6355318"/>
-            <a:ext cx="2444237" cy="369332"/>
+            <a:off x="194311" y="6355318"/>
+            <a:ext cx="2533650" cy="369332"/>
           </a:xfrm>
           <a:prstGeom prst="rect">
             <a:avLst/>
@@ -9773,13 +9774,14 @@
           <a:lstStyle/>
           <a:p>
             <a:r>
-              <a:rPr lang="en-US" dirty="0" err="1">
+              <a:rPr lang="en-US" b="1" dirty="0" err="1">
                 <a:latin typeface="Times New Roman" panose="02020603050405020304" pitchFamily="18" charset="0"/>
                 <a:cs typeface="Times New Roman" panose="02020603050405020304" pitchFamily="18" charset="0"/>
+                <a:hlinkClick r:id="rId3"/>
               </a:rPr>
               <a:t>binomial_beta_STAN.R</a:t>
             </a:r>
-            <a:endParaRPr lang="en-US" dirty="0">
+            <a:endParaRPr lang="en-US" b="1" dirty="0">
               <a:latin typeface="Times New Roman" panose="02020603050405020304" pitchFamily="18" charset="0"/>
               <a:cs typeface="Times New Roman" panose="02020603050405020304" pitchFamily="18" charset="0"/>
             </a:endParaRPr>
@@ -12212,8 +12214,8 @@
         </p:nvSpPr>
         <p:spPr>
           <a:xfrm>
-            <a:off x="1" y="6000749"/>
-            <a:ext cx="1922024" cy="307777"/>
+            <a:off x="-57150" y="6000749"/>
+            <a:ext cx="2057399" cy="307777"/>
           </a:xfrm>
           <a:prstGeom prst="rect">
             <a:avLst/>
@@ -12227,13 +12229,14 @@
           <a:lstStyle/>
           <a:p>
             <a:r>
-              <a:rPr lang="en-US" sz="1400" dirty="0" err="1">
+              <a:rPr lang="en-US" sz="1400" b="1" dirty="0" err="1">
                 <a:latin typeface="Times New Roman" panose="02020603050405020304" pitchFamily="18" charset="0"/>
                 <a:cs typeface="Times New Roman" panose="02020603050405020304" pitchFamily="18" charset="0"/>
+                <a:hlinkClick r:id="rId3"/>
               </a:rPr>
               <a:t>binomial_beta_JAGS.R</a:t>
             </a:r>
-            <a:endParaRPr lang="en-US" sz="1400" dirty="0">
+            <a:endParaRPr lang="en-US" sz="1400" b="1" dirty="0">
               <a:latin typeface="Times New Roman" panose="02020603050405020304" pitchFamily="18" charset="0"/>
               <a:cs typeface="Times New Roman" panose="02020603050405020304" pitchFamily="18" charset="0"/>
             </a:endParaRPr>
